--- a/intro_LT.pptx
+++ b/intro_LT.pptx
@@ -5,7 +5,7 @@
     <p:sldMasterId id="2147483660" r:id="rId1"/>
   </p:sldMasterIdLst>
   <p:notesMasterIdLst>
-    <p:notesMasterId r:id="rId11"/>
+    <p:notesMasterId r:id="rId14"/>
   </p:notesMasterIdLst>
   <p:sldIdLst>
     <p:sldId id="256" r:id="rId2"/>
@@ -17,6 +17,9 @@
     <p:sldId id="262" r:id="rId8"/>
     <p:sldId id="263" r:id="rId9"/>
     <p:sldId id="264" r:id="rId10"/>
+    <p:sldId id="265" r:id="rId11"/>
+    <p:sldId id="266" r:id="rId12"/>
+    <p:sldId id="267" r:id="rId13"/>
   </p:sldIdLst>
   <p:sldSz cx="12192000" cy="6858000"/>
   <p:notesSz cx="6858000" cy="9144000"/>
@@ -205,7 +208,7 @@
           <a:p>
             <a:fld id="{2E24CB81-E9A2-6B4D-92C7-0528C43DB9AB}" type="datetimeFigureOut">
               <a:rPr lang="en-GB" smtClean="0"/>
-              <a:t>05/05/2020</a:t>
+              <a:t>07/05/2020</a:t>
             </a:fld>
             <a:endParaRPr lang="en-GB"/>
           </a:p>
@@ -557,6 +560,382 @@
 </p:notes>
 </file>
 
+<file path=ppt/notesSlides/notesSlide10.xml><?xml version="1.0" encoding="utf-8"?>
+<p:notes xmlns:a="http://schemas.openxmlformats.org/drawingml/2006/main" xmlns:r="http://schemas.openxmlformats.org/officeDocument/2006/relationships" xmlns:p="http://schemas.openxmlformats.org/presentationml/2006/main">
+  <p:cSld>
+    <p:spTree>
+      <p:nvGrpSpPr>
+        <p:cNvPr id="1" name=""/>
+        <p:cNvGrpSpPr/>
+        <p:nvPr/>
+      </p:nvGrpSpPr>
+      <p:grpSpPr>
+        <a:xfrm>
+          <a:off x="0" y="0"/>
+          <a:ext cx="0" cy="0"/>
+          <a:chOff x="0" y="0"/>
+          <a:chExt cx="0" cy="0"/>
+        </a:xfrm>
+      </p:grpSpPr>
+      <p:sp>
+        <p:nvSpPr>
+          <p:cNvPr id="2" name="Slide Image Placeholder 1"/>
+          <p:cNvSpPr>
+            <a:spLocks noGrp="1" noRot="1" noChangeAspect="1"/>
+          </p:cNvSpPr>
+          <p:nvPr>
+            <p:ph type="sldImg"/>
+          </p:nvPr>
+        </p:nvSpPr>
+        <p:spPr/>
+      </p:sp>
+      <p:sp>
+        <p:nvSpPr>
+          <p:cNvPr id="3" name="Notes Placeholder 2"/>
+          <p:cNvSpPr>
+            <a:spLocks noGrp="1"/>
+          </p:cNvSpPr>
+          <p:nvPr>
+            <p:ph type="body" idx="1"/>
+          </p:nvPr>
+        </p:nvSpPr>
+        <p:spPr/>
+        <p:txBody>
+          <a:bodyPr/>
+          <a:lstStyle/>
+          <a:p>
+            <a:r>
+              <a:rPr lang="en-GB" dirty="0"/>
+              <a:t>Croft discusses a contrastive analysis of the articles in English and French. Even in languages so closely related, there are differences in the encoding of the same meaning, which are listed at the beginning of §1.3 and addressed as ‘types of uses of the article’. The comparison opposes definite articles (English: the and French: le/la) vs. indefinite articles (English: a/an and French: un/</a:t>
+            </a:r>
+            <a:r>
+              <a:rPr lang="en-GB" dirty="0" err="1"/>
+              <a:t>une</a:t>
+            </a:r>
+            <a:r>
+              <a:rPr lang="en-GB" dirty="0"/>
+              <a:t>). The distribution across the examples is the same only in three cases out of eleven. This particular type of linguistic problem is far from being resolved (but join the last class of this course if you are interested!) i.e., no satisfactory generalization of the distribution of articles has been provided yet, but shows the following:</a:t>
+            </a:r>
+          </a:p>
+          <a:p>
+            <a:endParaRPr lang="en-GB" dirty="0"/>
+          </a:p>
+          <a:p>
+            <a:pPr marL="171450" indent="-171450">
+              <a:buFont typeface="Arial" panose="020B0604020202020204" pitchFamily="34" charset="0"/>
+              <a:buChar char="•"/>
+            </a:pPr>
+            <a:r>
+              <a:rPr lang="en-GB" dirty="0"/>
+              <a:t> generalization made on the basis of just one language never holds (even in comparison with very close languages);</a:t>
+            </a:r>
+          </a:p>
+          <a:p>
+            <a:pPr marL="171450" indent="-171450">
+              <a:buFont typeface="Arial" panose="020B0604020202020204" pitchFamily="34" charset="0"/>
+              <a:buChar char="•"/>
+            </a:pPr>
+            <a:r>
+              <a:rPr lang="en-GB" dirty="0"/>
+              <a:t>The knowledge of how other languages work helps the linguist to better describe a specific language (even her/his own language!)</a:t>
+            </a:r>
+          </a:p>
+        </p:txBody>
+      </p:sp>
+      <p:sp>
+        <p:nvSpPr>
+          <p:cNvPr id="4" name="Slide Number Placeholder 3"/>
+          <p:cNvSpPr>
+            <a:spLocks noGrp="1"/>
+          </p:cNvSpPr>
+          <p:nvPr>
+            <p:ph type="sldNum" sz="quarter" idx="5"/>
+          </p:nvPr>
+        </p:nvSpPr>
+        <p:spPr/>
+        <p:txBody>
+          <a:bodyPr/>
+          <a:lstStyle/>
+          <a:p>
+            <a:fld id="{35635C9D-1D7F-DD48-BB61-830969104FAB}" type="slidenum">
+              <a:rPr lang="en-GB" smtClean="0"/>
+              <a:t>10</a:t>
+            </a:fld>
+            <a:endParaRPr lang="en-GB"/>
+          </a:p>
+        </p:txBody>
+      </p:sp>
+    </p:spTree>
+    <p:extLst>
+      <p:ext uri="{BB962C8B-B14F-4D97-AF65-F5344CB8AC3E}">
+        <p14:creationId xmlns:p14="http://schemas.microsoft.com/office/powerpoint/2010/main" val="2853986462"/>
+      </p:ext>
+    </p:extLst>
+  </p:cSld>
+  <p:clrMapOvr>
+    <a:masterClrMapping/>
+  </p:clrMapOvr>
+</p:notes>
+</file>
+
+<file path=ppt/notesSlides/notesSlide11.xml><?xml version="1.0" encoding="utf-8"?>
+<p:notes xmlns:a="http://schemas.openxmlformats.org/drawingml/2006/main" xmlns:r="http://schemas.openxmlformats.org/officeDocument/2006/relationships" xmlns:p="http://schemas.openxmlformats.org/presentationml/2006/main">
+  <p:cSld>
+    <p:spTree>
+      <p:nvGrpSpPr>
+        <p:cNvPr id="1" name=""/>
+        <p:cNvGrpSpPr/>
+        <p:nvPr/>
+      </p:nvGrpSpPr>
+      <p:grpSpPr>
+        <a:xfrm>
+          <a:off x="0" y="0"/>
+          <a:ext cx="0" cy="0"/>
+          <a:chOff x="0" y="0"/>
+          <a:chExt cx="0" cy="0"/>
+        </a:xfrm>
+      </p:grpSpPr>
+      <p:sp>
+        <p:nvSpPr>
+          <p:cNvPr id="2" name="Slide Image Placeholder 1"/>
+          <p:cNvSpPr>
+            <a:spLocks noGrp="1" noRot="1" noChangeAspect="1"/>
+          </p:cNvSpPr>
+          <p:nvPr>
+            <p:ph type="sldImg"/>
+          </p:nvPr>
+        </p:nvSpPr>
+        <p:spPr/>
+      </p:sp>
+      <p:sp>
+        <p:nvSpPr>
+          <p:cNvPr id="3" name="Notes Placeholder 2"/>
+          <p:cNvSpPr>
+            <a:spLocks noGrp="1"/>
+          </p:cNvSpPr>
+          <p:nvPr>
+            <p:ph type="body" idx="1"/>
+          </p:nvPr>
+        </p:nvSpPr>
+        <p:spPr/>
+        <p:txBody>
+          <a:bodyPr/>
+          <a:lstStyle/>
+          <a:p>
+            <a:pPr marL="0" marR="0" lvl="0" indent="0" algn="l" defTabSz="914400" rtl="0" eaLnBrk="1" fontAlgn="auto" latinLnBrk="0" hangingPunct="1">
+              <a:lnSpc>
+                <a:spcPct val="100000"/>
+              </a:lnSpc>
+              <a:spcBef>
+                <a:spcPts val="0"/>
+              </a:spcBef>
+              <a:spcAft>
+                <a:spcPts val="0"/>
+              </a:spcAft>
+              <a:buClrTx/>
+              <a:buSzTx/>
+              <a:buFontTx/>
+              <a:buNone/>
+              <a:tabLst/>
+              <a:defRPr/>
+            </a:pPr>
+            <a:r>
+              <a:rPr lang="en-GB" dirty="0"/>
+              <a:t>The standard syntactic argumentation uses the distributional method to discover grammatical categories in a language. For instance, in order to discover the grammatical category of subject in English we take different constructions of what we suspect it may be a subject: nominative form of the pronoun, agreement, </a:t>
+            </a:r>
+            <a:r>
+              <a:rPr lang="en-GB" sz="1200" kern="1200" dirty="0">
+                <a:solidFill>
+                  <a:schemeClr val="tx1"/>
+                </a:solidFill>
+                <a:effectLst/>
+                <a:latin typeface="+mn-lt"/>
+                <a:ea typeface="+mn-ea"/>
+                <a:cs typeface="+mn-cs"/>
+              </a:rPr>
+              <a:t>unexpressed argument of the infinitive, unexpressed argument in the imperative, unexpressed shared argument in a conjoined sentence. In all of these constructions, the same grammatical category appears as the preverbal noun phrase (NP), giving evidence for the existence of a subject in English. </a:t>
+            </a:r>
+            <a:endParaRPr lang="en-GB" dirty="0"/>
+          </a:p>
+          <a:p>
+            <a:pPr marL="0" marR="0" lvl="0" indent="0" algn="l" defTabSz="914400" rtl="0" eaLnBrk="1" fontAlgn="auto" latinLnBrk="0" hangingPunct="1">
+              <a:lnSpc>
+                <a:spcPct val="100000"/>
+              </a:lnSpc>
+              <a:spcBef>
+                <a:spcPts val="0"/>
+              </a:spcBef>
+              <a:spcAft>
+                <a:spcPts val="0"/>
+              </a:spcAft>
+              <a:buClrTx/>
+              <a:buSzTx/>
+              <a:buFontTx/>
+              <a:buNone/>
+              <a:tabLst/>
+              <a:defRPr/>
+            </a:pPr>
+            <a:endParaRPr lang="en-GB" dirty="0"/>
+          </a:p>
+        </p:txBody>
+      </p:sp>
+      <p:sp>
+        <p:nvSpPr>
+          <p:cNvPr id="4" name="Slide Number Placeholder 3"/>
+          <p:cNvSpPr>
+            <a:spLocks noGrp="1"/>
+          </p:cNvSpPr>
+          <p:nvPr>
+            <p:ph type="sldNum" sz="quarter" idx="5"/>
+          </p:nvPr>
+        </p:nvSpPr>
+        <p:spPr/>
+        <p:txBody>
+          <a:bodyPr/>
+          <a:lstStyle/>
+          <a:p>
+            <a:fld id="{35635C9D-1D7F-DD48-BB61-830969104FAB}" type="slidenum">
+              <a:rPr lang="en-GB" smtClean="0"/>
+              <a:t>11</a:t>
+            </a:fld>
+            <a:endParaRPr lang="en-GB"/>
+          </a:p>
+        </p:txBody>
+      </p:sp>
+    </p:spTree>
+    <p:extLst>
+      <p:ext uri="{BB962C8B-B14F-4D97-AF65-F5344CB8AC3E}">
+        <p14:creationId xmlns:p14="http://schemas.microsoft.com/office/powerpoint/2010/main" val="1272175329"/>
+      </p:ext>
+    </p:extLst>
+  </p:cSld>
+  <p:clrMapOvr>
+    <a:masterClrMapping/>
+  </p:clrMapOvr>
+</p:notes>
+</file>
+
+<file path=ppt/notesSlides/notesSlide12.xml><?xml version="1.0" encoding="utf-8"?>
+<p:notes xmlns:a="http://schemas.openxmlformats.org/drawingml/2006/main" xmlns:r="http://schemas.openxmlformats.org/officeDocument/2006/relationships" xmlns:p="http://schemas.openxmlformats.org/presentationml/2006/main">
+  <p:cSld>
+    <p:spTree>
+      <p:nvGrpSpPr>
+        <p:cNvPr id="1" name=""/>
+        <p:cNvGrpSpPr/>
+        <p:nvPr/>
+      </p:nvGrpSpPr>
+      <p:grpSpPr>
+        <a:xfrm>
+          <a:off x="0" y="0"/>
+          <a:ext cx="0" cy="0"/>
+          <a:chOff x="0" y="0"/>
+          <a:chExt cx="0" cy="0"/>
+        </a:xfrm>
+      </p:grpSpPr>
+      <p:sp>
+        <p:nvSpPr>
+          <p:cNvPr id="2" name="Slide Image Placeholder 1"/>
+          <p:cNvSpPr>
+            <a:spLocks noGrp="1" noRot="1" noChangeAspect="1"/>
+          </p:cNvSpPr>
+          <p:nvPr>
+            <p:ph type="sldImg"/>
+          </p:nvPr>
+        </p:nvSpPr>
+        <p:spPr/>
+      </p:sp>
+      <p:sp>
+        <p:nvSpPr>
+          <p:cNvPr id="3" name="Notes Placeholder 2"/>
+          <p:cNvSpPr>
+            <a:spLocks noGrp="1"/>
+          </p:cNvSpPr>
+          <p:nvPr>
+            <p:ph type="body" idx="1"/>
+          </p:nvPr>
+        </p:nvSpPr>
+        <p:spPr/>
+        <p:txBody>
+          <a:bodyPr/>
+          <a:lstStyle/>
+          <a:p>
+            <a:pPr marL="0" marR="0" lvl="0" indent="0" algn="l" defTabSz="914400" rtl="0" eaLnBrk="1" fontAlgn="auto" latinLnBrk="0" hangingPunct="1">
+              <a:lnSpc>
+                <a:spcPct val="100000"/>
+              </a:lnSpc>
+              <a:spcBef>
+                <a:spcPts val="0"/>
+              </a:spcBef>
+              <a:spcAft>
+                <a:spcPts val="0"/>
+              </a:spcAft>
+              <a:buClrTx/>
+              <a:buSzTx/>
+              <a:buFontTx/>
+              <a:buNone/>
+              <a:tabLst/>
+              <a:defRPr/>
+            </a:pPr>
+            <a:r>
+              <a:rPr lang="en-GB" dirty="0"/>
+              <a:t>We should ask if what we have observed and generalised for a single language can be extended to other languages. For instance, we observe in English that the preposition </a:t>
+            </a:r>
+            <a:r>
+              <a:rPr lang="en-GB" i="1" dirty="0"/>
+              <a:t>with</a:t>
+            </a:r>
+            <a:r>
+              <a:rPr lang="en-GB" i="0" dirty="0"/>
+              <a:t> is used in constructions with different meaning: comitative, instrument and manner. According to the distributional methods, we make a generalisation for English: does this generalisation is observed in other languages as well? Yes, it does: very distant languages such as Hausa (a language spoken in Nigeria) and Classic Mongolian (an ancient language spoken in China) show the same distribution. What is the reason behind such </a:t>
+            </a:r>
+            <a:r>
+              <a:rPr lang="en-GB" i="0"/>
+              <a:t>a wide distribution</a:t>
+            </a:r>
+            <a:r>
+              <a:rPr lang="en-GB" i="0" dirty="0"/>
+              <a:t>?</a:t>
+            </a:r>
+            <a:endParaRPr lang="en-GB" dirty="0"/>
+          </a:p>
+        </p:txBody>
+      </p:sp>
+      <p:sp>
+        <p:nvSpPr>
+          <p:cNvPr id="4" name="Slide Number Placeholder 3"/>
+          <p:cNvSpPr>
+            <a:spLocks noGrp="1"/>
+          </p:cNvSpPr>
+          <p:nvPr>
+            <p:ph type="sldNum" sz="quarter" idx="5"/>
+          </p:nvPr>
+        </p:nvSpPr>
+        <p:spPr/>
+        <p:txBody>
+          <a:bodyPr/>
+          <a:lstStyle/>
+          <a:p>
+            <a:fld id="{35635C9D-1D7F-DD48-BB61-830969104FAB}" type="slidenum">
+              <a:rPr lang="en-GB" smtClean="0"/>
+              <a:t>12</a:t>
+            </a:fld>
+            <a:endParaRPr lang="en-GB"/>
+          </a:p>
+        </p:txBody>
+      </p:sp>
+    </p:spTree>
+    <p:extLst>
+      <p:ext uri="{BB962C8B-B14F-4D97-AF65-F5344CB8AC3E}">
+        <p14:creationId xmlns:p14="http://schemas.microsoft.com/office/powerpoint/2010/main" val="3449699928"/>
+      </p:ext>
+    </p:extLst>
+  </p:cSld>
+  <p:clrMapOvr>
+    <a:masterClrMapping/>
+  </p:clrMapOvr>
+</p:notes>
+</file>
+
 <file path=ppt/notesSlides/notesSlide2.xml><?xml version="1.0" encoding="utf-8"?>
 <p:notes xmlns:a="http://schemas.openxmlformats.org/drawingml/2006/main" xmlns:r="http://schemas.openxmlformats.org/officeDocument/2006/relationships" xmlns:p="http://schemas.openxmlformats.org/presentationml/2006/main">
   <p:cSld>
@@ -1875,7 +2254,7 @@
           <a:p>
             <a:fld id="{271DC0A6-169D-364E-9506-01AADB07CD24}" type="datetimeFigureOut">
               <a:rPr lang="en-GB" smtClean="0"/>
-              <a:t>05/05/2020</a:t>
+              <a:t>07/05/2020</a:t>
             </a:fld>
             <a:endParaRPr lang="en-GB"/>
           </a:p>
@@ -2075,7 +2454,7 @@
           <a:p>
             <a:fld id="{271DC0A6-169D-364E-9506-01AADB07CD24}" type="datetimeFigureOut">
               <a:rPr lang="en-GB" smtClean="0"/>
-              <a:t>05/05/2020</a:t>
+              <a:t>07/05/2020</a:t>
             </a:fld>
             <a:endParaRPr lang="en-GB"/>
           </a:p>
@@ -2285,7 +2664,7 @@
           <a:p>
             <a:fld id="{271DC0A6-169D-364E-9506-01AADB07CD24}" type="datetimeFigureOut">
               <a:rPr lang="en-GB" smtClean="0"/>
-              <a:t>05/05/2020</a:t>
+              <a:t>07/05/2020</a:t>
             </a:fld>
             <a:endParaRPr lang="en-GB"/>
           </a:p>
@@ -2485,7 +2864,7 @@
           <a:p>
             <a:fld id="{271DC0A6-169D-364E-9506-01AADB07CD24}" type="datetimeFigureOut">
               <a:rPr lang="en-GB" smtClean="0"/>
-              <a:t>05/05/2020</a:t>
+              <a:t>07/05/2020</a:t>
             </a:fld>
             <a:endParaRPr lang="en-GB"/>
           </a:p>
@@ -2761,7 +3140,7 @@
           <a:p>
             <a:fld id="{271DC0A6-169D-364E-9506-01AADB07CD24}" type="datetimeFigureOut">
               <a:rPr lang="en-GB" smtClean="0"/>
-              <a:t>05/05/2020</a:t>
+              <a:t>07/05/2020</a:t>
             </a:fld>
             <a:endParaRPr lang="en-GB"/>
           </a:p>
@@ -3029,7 +3408,7 @@
           <a:p>
             <a:fld id="{271DC0A6-169D-364E-9506-01AADB07CD24}" type="datetimeFigureOut">
               <a:rPr lang="en-GB" smtClean="0"/>
-              <a:t>05/05/2020</a:t>
+              <a:t>07/05/2020</a:t>
             </a:fld>
             <a:endParaRPr lang="en-GB"/>
           </a:p>
@@ -3444,7 +3823,7 @@
           <a:p>
             <a:fld id="{271DC0A6-169D-364E-9506-01AADB07CD24}" type="datetimeFigureOut">
               <a:rPr lang="en-GB" smtClean="0"/>
-              <a:t>05/05/2020</a:t>
+              <a:t>07/05/2020</a:t>
             </a:fld>
             <a:endParaRPr lang="en-GB"/>
           </a:p>
@@ -3586,7 +3965,7 @@
           <a:p>
             <a:fld id="{271DC0A6-169D-364E-9506-01AADB07CD24}" type="datetimeFigureOut">
               <a:rPr lang="en-GB" smtClean="0"/>
-              <a:t>05/05/2020</a:t>
+              <a:t>07/05/2020</a:t>
             </a:fld>
             <a:endParaRPr lang="en-GB"/>
           </a:p>
@@ -3699,7 +4078,7 @@
           <a:p>
             <a:fld id="{271DC0A6-169D-364E-9506-01AADB07CD24}" type="datetimeFigureOut">
               <a:rPr lang="en-GB" smtClean="0"/>
-              <a:t>05/05/2020</a:t>
+              <a:t>07/05/2020</a:t>
             </a:fld>
             <a:endParaRPr lang="en-GB"/>
           </a:p>
@@ -4012,7 +4391,7 @@
           <a:p>
             <a:fld id="{271DC0A6-169D-364E-9506-01AADB07CD24}" type="datetimeFigureOut">
               <a:rPr lang="en-GB" smtClean="0"/>
-              <a:t>05/05/2020</a:t>
+              <a:t>07/05/2020</a:t>
             </a:fld>
             <a:endParaRPr lang="en-GB"/>
           </a:p>
@@ -4301,7 +4680,7 @@
           <a:p>
             <a:fld id="{271DC0A6-169D-364E-9506-01AADB07CD24}" type="datetimeFigureOut">
               <a:rPr lang="en-GB" smtClean="0"/>
-              <a:t>05/05/2020</a:t>
+              <a:t>07/05/2020</a:t>
             </a:fld>
             <a:endParaRPr lang="en-GB"/>
           </a:p>
@@ -4544,7 +4923,7 @@
           <a:p>
             <a:fld id="{271DC0A6-169D-364E-9506-01AADB07CD24}" type="datetimeFigureOut">
               <a:rPr lang="en-GB" smtClean="0"/>
-              <a:t>05/05/2020</a:t>
+              <a:t>07/05/2020</a:t>
             </a:fld>
             <a:endParaRPr lang="en-GB"/>
           </a:p>
@@ -5852,6 +6231,407 @@
 </p:sld>
 </file>
 
+<file path=ppt/slides/slide10.xml><?xml version="1.0" encoding="utf-8"?>
+<p:sld xmlns:a="http://schemas.openxmlformats.org/drawingml/2006/main" xmlns:r="http://schemas.openxmlformats.org/officeDocument/2006/relationships" xmlns:p="http://schemas.openxmlformats.org/presentationml/2006/main">
+  <p:cSld>
+    <p:spTree>
+      <p:nvGrpSpPr>
+        <p:cNvPr id="1" name=""/>
+        <p:cNvGrpSpPr/>
+        <p:nvPr/>
+      </p:nvGrpSpPr>
+      <p:grpSpPr>
+        <a:xfrm>
+          <a:off x="0" y="0"/>
+          <a:ext cx="0" cy="0"/>
+          <a:chOff x="0" y="0"/>
+          <a:chExt cx="0" cy="0"/>
+        </a:xfrm>
+      </p:grpSpPr>
+      <p:sp>
+        <p:nvSpPr>
+          <p:cNvPr id="2" name="Title 1">
+            <a:extLst>
+              <a:ext uri="{FF2B5EF4-FFF2-40B4-BE49-F238E27FC236}">
+                <a16:creationId xmlns:a16="http://schemas.microsoft.com/office/drawing/2014/main" id="{BA9778AB-8FD6-9444-B323-B8DD0B1D870C}"/>
+              </a:ext>
+            </a:extLst>
+          </p:cNvPr>
+          <p:cNvSpPr>
+            <a:spLocks noGrp="1"/>
+          </p:cNvSpPr>
+          <p:nvPr>
+            <p:ph type="title"/>
+          </p:nvPr>
+        </p:nvSpPr>
+        <p:spPr/>
+        <p:txBody>
+          <a:bodyPr/>
+          <a:lstStyle/>
+          <a:p>
+            <a:r>
+              <a:rPr lang="en-GB" dirty="0"/>
+              <a:t>Cross-linguistic comparison</a:t>
+            </a:r>
+          </a:p>
+        </p:txBody>
+      </p:sp>
+      <p:sp>
+        <p:nvSpPr>
+          <p:cNvPr id="3" name="Content Placeholder 2">
+            <a:extLst>
+              <a:ext uri="{FF2B5EF4-FFF2-40B4-BE49-F238E27FC236}">
+                <a16:creationId xmlns:a16="http://schemas.microsoft.com/office/drawing/2014/main" id="{DE0A8285-5EB3-3F40-9A9C-30633D022680}"/>
+              </a:ext>
+            </a:extLst>
+          </p:cNvPr>
+          <p:cNvSpPr>
+            <a:spLocks noGrp="1"/>
+          </p:cNvSpPr>
+          <p:nvPr>
+            <p:ph idx="1"/>
+          </p:nvPr>
+        </p:nvSpPr>
+        <p:spPr/>
+        <p:txBody>
+          <a:bodyPr/>
+          <a:lstStyle/>
+          <a:p>
+            <a:pPr marL="0" indent="0">
+              <a:buNone/>
+            </a:pPr>
+            <a:r>
+              <a:rPr lang="en-GB" dirty="0"/>
+              <a:t>The methodological validity of cross-linguistic comparison can be advocated at two different levels:</a:t>
+            </a:r>
+          </a:p>
+          <a:p>
+            <a:r>
+              <a:rPr lang="en-GB" b="1" dirty="0"/>
+              <a:t>Cross-linguistic level</a:t>
+            </a:r>
+            <a:r>
+              <a:rPr lang="en-GB" dirty="0"/>
+              <a:t>: a typological generalization could not be formulated without comparing more than one language;</a:t>
+            </a:r>
+          </a:p>
+          <a:p>
+            <a:r>
+              <a:rPr lang="en-GB" b="1" dirty="0"/>
+              <a:t>Language-specific (one language at a time approach) level</a:t>
+            </a:r>
+            <a:r>
+              <a:rPr lang="en-GB" dirty="0"/>
+              <a:t>: the description of a particular language benefits from the descriptions of other languages.</a:t>
+            </a:r>
+          </a:p>
+        </p:txBody>
+      </p:sp>
+    </p:spTree>
+    <p:extLst>
+      <p:ext uri="{BB962C8B-B14F-4D97-AF65-F5344CB8AC3E}">
+        <p14:creationId xmlns:p14="http://schemas.microsoft.com/office/powerpoint/2010/main" val="1153764604"/>
+      </p:ext>
+    </p:extLst>
+  </p:cSld>
+  <p:clrMapOvr>
+    <a:masterClrMapping/>
+  </p:clrMapOvr>
+</p:sld>
+</file>
+
+<file path=ppt/slides/slide11.xml><?xml version="1.0" encoding="utf-8"?>
+<p:sld xmlns:a="http://schemas.openxmlformats.org/drawingml/2006/main" xmlns:r="http://schemas.openxmlformats.org/officeDocument/2006/relationships" xmlns:p="http://schemas.openxmlformats.org/presentationml/2006/main">
+  <p:cSld>
+    <p:spTree>
+      <p:nvGrpSpPr>
+        <p:cNvPr id="1" name=""/>
+        <p:cNvGrpSpPr/>
+        <p:nvPr/>
+      </p:nvGrpSpPr>
+      <p:grpSpPr>
+        <a:xfrm>
+          <a:off x="0" y="0"/>
+          <a:ext cx="0" cy="0"/>
+          <a:chOff x="0" y="0"/>
+          <a:chExt cx="0" cy="0"/>
+        </a:xfrm>
+      </p:grpSpPr>
+      <p:sp>
+        <p:nvSpPr>
+          <p:cNvPr id="2" name="Title 1">
+            <a:extLst>
+              <a:ext uri="{FF2B5EF4-FFF2-40B4-BE49-F238E27FC236}">
+                <a16:creationId xmlns:a16="http://schemas.microsoft.com/office/drawing/2014/main" id="{5E8C74DC-3E97-724C-AF22-659E998F8B63}"/>
+              </a:ext>
+            </a:extLst>
+          </p:cNvPr>
+          <p:cNvSpPr>
+            <a:spLocks noGrp="1"/>
+          </p:cNvSpPr>
+          <p:nvPr>
+            <p:ph type="title"/>
+          </p:nvPr>
+        </p:nvSpPr>
+        <p:spPr/>
+        <p:txBody>
+          <a:bodyPr/>
+          <a:lstStyle/>
+          <a:p>
+            <a:r>
+              <a:rPr lang="en-GB" dirty="0"/>
+              <a:t>Cross-linguistic comparison</a:t>
+            </a:r>
+          </a:p>
+        </p:txBody>
+      </p:sp>
+      <p:sp>
+        <p:nvSpPr>
+          <p:cNvPr id="3" name="Content Placeholder 2">
+            <a:extLst>
+              <a:ext uri="{FF2B5EF4-FFF2-40B4-BE49-F238E27FC236}">
+                <a16:creationId xmlns:a16="http://schemas.microsoft.com/office/drawing/2014/main" id="{F4E7DA0D-5BEB-424E-9819-E2E66196B254}"/>
+              </a:ext>
+            </a:extLst>
+          </p:cNvPr>
+          <p:cNvSpPr>
+            <a:spLocks noGrp="1"/>
+          </p:cNvSpPr>
+          <p:nvPr>
+            <p:ph idx="1"/>
+          </p:nvPr>
+        </p:nvSpPr>
+        <p:spPr/>
+        <p:txBody>
+          <a:bodyPr/>
+          <a:lstStyle/>
+          <a:p>
+            <a:pPr marL="0" indent="0">
+              <a:buNone/>
+            </a:pPr>
+            <a:r>
+              <a:rPr lang="en-GB" dirty="0"/>
+              <a:t>Within a single language, one usually identifies a </a:t>
+            </a:r>
+            <a:r>
+              <a:rPr lang="en-GB" b="1" dirty="0"/>
+              <a:t>grammatical category  </a:t>
+            </a:r>
+            <a:r>
+              <a:rPr lang="en-GB" dirty="0"/>
+              <a:t>by using the </a:t>
+            </a:r>
+            <a:r>
+              <a:rPr lang="en-GB" b="1" dirty="0"/>
+              <a:t>distributional method</a:t>
+            </a:r>
+            <a:r>
+              <a:rPr lang="en-GB" dirty="0"/>
+              <a:t>:</a:t>
+            </a:r>
+          </a:p>
+          <a:p>
+            <a:pPr marL="0" indent="0">
+              <a:buNone/>
+            </a:pPr>
+            <a:endParaRPr lang="en-GB" dirty="0"/>
+          </a:p>
+          <a:p>
+            <a:r>
+              <a:rPr lang="en-GB" dirty="0"/>
+              <a:t>The </a:t>
+            </a:r>
+            <a:r>
+              <a:rPr lang="en-GB" b="1" dirty="0"/>
+              <a:t>occurrence </a:t>
+            </a:r>
+            <a:r>
+              <a:rPr lang="en-GB" dirty="0"/>
+              <a:t>or </a:t>
+            </a:r>
+            <a:r>
+              <a:rPr lang="en-GB" b="1" dirty="0"/>
+              <a:t>distribution </a:t>
+            </a:r>
+            <a:r>
+              <a:rPr lang="en-GB" dirty="0"/>
+              <a:t>of a </a:t>
+            </a:r>
+            <a:r>
+              <a:rPr lang="en-GB" b="1" dirty="0"/>
+              <a:t>grammatical category </a:t>
+            </a:r>
+            <a:r>
+              <a:rPr lang="en-GB" dirty="0"/>
+              <a:t>is observed in different constructions;</a:t>
+            </a:r>
+          </a:p>
+          <a:p>
+            <a:r>
+              <a:rPr lang="en-GB" dirty="0"/>
+              <a:t>a unique </a:t>
+            </a:r>
+            <a:r>
+              <a:rPr lang="en-GB" b="1" dirty="0"/>
+              <a:t>grammatical category </a:t>
+            </a:r>
+            <a:r>
+              <a:rPr lang="en-GB" dirty="0"/>
+              <a:t> exists if it behaves in the same way in all of these different constructions.</a:t>
+            </a:r>
+          </a:p>
+        </p:txBody>
+      </p:sp>
+    </p:spTree>
+    <p:extLst>
+      <p:ext uri="{BB962C8B-B14F-4D97-AF65-F5344CB8AC3E}">
+        <p14:creationId xmlns:p14="http://schemas.microsoft.com/office/powerpoint/2010/main" val="1035275986"/>
+      </p:ext>
+    </p:extLst>
+  </p:cSld>
+  <p:clrMapOvr>
+    <a:masterClrMapping/>
+  </p:clrMapOvr>
+</p:sld>
+</file>
+
+<file path=ppt/slides/slide12.xml><?xml version="1.0" encoding="utf-8"?>
+<p:sld xmlns:a="http://schemas.openxmlformats.org/drawingml/2006/main" xmlns:r="http://schemas.openxmlformats.org/officeDocument/2006/relationships" xmlns:p="http://schemas.openxmlformats.org/presentationml/2006/main">
+  <p:cSld>
+    <p:spTree>
+      <p:nvGrpSpPr>
+        <p:cNvPr id="1" name=""/>
+        <p:cNvGrpSpPr/>
+        <p:nvPr/>
+      </p:nvGrpSpPr>
+      <p:grpSpPr>
+        <a:xfrm>
+          <a:off x="0" y="0"/>
+          <a:ext cx="0" cy="0"/>
+          <a:chOff x="0" y="0"/>
+          <a:chExt cx="0" cy="0"/>
+        </a:xfrm>
+      </p:grpSpPr>
+      <p:sp>
+        <p:nvSpPr>
+          <p:cNvPr id="2" name="Title 1">
+            <a:extLst>
+              <a:ext uri="{FF2B5EF4-FFF2-40B4-BE49-F238E27FC236}">
+                <a16:creationId xmlns:a16="http://schemas.microsoft.com/office/drawing/2014/main" id="{5E8C74DC-3E97-724C-AF22-659E998F8B63}"/>
+              </a:ext>
+            </a:extLst>
+          </p:cNvPr>
+          <p:cNvSpPr>
+            <a:spLocks noGrp="1"/>
+          </p:cNvSpPr>
+          <p:nvPr>
+            <p:ph type="title"/>
+          </p:nvPr>
+        </p:nvSpPr>
+        <p:spPr/>
+        <p:txBody>
+          <a:bodyPr/>
+          <a:lstStyle/>
+          <a:p>
+            <a:r>
+              <a:rPr lang="en-GB" dirty="0"/>
+              <a:t>Cross-linguistic comparison</a:t>
+            </a:r>
+          </a:p>
+        </p:txBody>
+      </p:sp>
+      <p:sp>
+        <p:nvSpPr>
+          <p:cNvPr id="3" name="Content Placeholder 2">
+            <a:extLst>
+              <a:ext uri="{FF2B5EF4-FFF2-40B4-BE49-F238E27FC236}">
+                <a16:creationId xmlns:a16="http://schemas.microsoft.com/office/drawing/2014/main" id="{F4E7DA0D-5BEB-424E-9819-E2E66196B254}"/>
+              </a:ext>
+            </a:extLst>
+          </p:cNvPr>
+          <p:cNvSpPr>
+            <a:spLocks noGrp="1"/>
+          </p:cNvSpPr>
+          <p:nvPr>
+            <p:ph idx="1"/>
+          </p:nvPr>
+        </p:nvSpPr>
+        <p:spPr/>
+        <p:txBody>
+          <a:bodyPr/>
+          <a:lstStyle/>
+          <a:p>
+            <a:pPr marL="0" indent="0">
+              <a:buNone/>
+            </a:pPr>
+            <a:r>
+              <a:rPr lang="en-GB" dirty="0"/>
+              <a:t>Cross-linguistically, the distributional method doesn’t apply. Rather, in order to make typological generalisations, we should ask:</a:t>
+            </a:r>
+          </a:p>
+          <a:p>
+            <a:pPr marL="0" indent="0">
+              <a:buNone/>
+            </a:pPr>
+            <a:r>
+              <a:rPr lang="en-GB" dirty="0"/>
+              <a:t>Does the same </a:t>
+            </a:r>
+            <a:r>
+              <a:rPr lang="en-GB" b="1" dirty="0"/>
+              <a:t>distribution</a:t>
+            </a:r>
+            <a:r>
+              <a:rPr lang="en-GB" dirty="0"/>
+              <a:t> of the </a:t>
+            </a:r>
+            <a:r>
+              <a:rPr lang="en-GB" b="1" dirty="0"/>
+              <a:t>grammatical category </a:t>
+            </a:r>
+            <a:r>
+              <a:rPr lang="en-GB" dirty="0"/>
+              <a:t>is found in </a:t>
+            </a:r>
+            <a:r>
+              <a:rPr lang="en-GB" b="1" dirty="0"/>
+              <a:t>different languages</a:t>
+            </a:r>
+            <a:r>
+              <a:rPr lang="en-GB" dirty="0"/>
+              <a:t>?</a:t>
+            </a:r>
+          </a:p>
+          <a:p>
+            <a:r>
+              <a:rPr lang="en-GB" dirty="0"/>
+              <a:t>Yes: we have found a typological universal or at least something that is very widespread (but further research may be necessary…)</a:t>
+            </a:r>
+          </a:p>
+          <a:p>
+            <a:r>
+              <a:rPr lang="en-GB" dirty="0"/>
+              <a:t>No: unfortunately, our generalisation is of little use to the typological theory (but we still need to explain it…)</a:t>
+            </a:r>
+          </a:p>
+          <a:p>
+            <a:endParaRPr lang="en-GB" dirty="0"/>
+          </a:p>
+        </p:txBody>
+      </p:sp>
+    </p:spTree>
+    <p:extLst>
+      <p:ext uri="{BB962C8B-B14F-4D97-AF65-F5344CB8AC3E}">
+        <p14:creationId xmlns:p14="http://schemas.microsoft.com/office/powerpoint/2010/main" val="1206682259"/>
+      </p:ext>
+    </p:extLst>
+  </p:cSld>
+  <p:clrMapOvr>
+    <a:masterClrMapping/>
+  </p:clrMapOvr>
+</p:sld>
+</file>
+
 <file path=ppt/slides/slide2.xml><?xml version="1.0" encoding="utf-8"?>
 <p:sld xmlns:a="http://schemas.openxmlformats.org/drawingml/2006/main" xmlns:r="http://schemas.openxmlformats.org/officeDocument/2006/relationships" xmlns:p="http://schemas.openxmlformats.org/presentationml/2006/main">
   <p:cSld>
@@ -5946,7 +6726,7 @@
             </a:r>
             <a:r>
               <a:rPr lang="en-US" dirty="0"/>
-              <a:t> edition), Cambridge: Cambridge University Press, 2002.</a:t>
+              <a:t> edition), Cambridge: Cambridge University Press, 2003.</a:t>
             </a:r>
             <a:endParaRPr lang="de-DE" dirty="0"/>
           </a:p>
@@ -6617,7 +7397,7 @@
             </a:r>
             <a:r>
               <a:rPr lang="en-GB" b="1" dirty="0"/>
-              <a:t>Language Universals: features that apply to each and every language.</a:t>
+              <a:t>Language Universals: generalizations that apply to each and every language.</a:t>
             </a:r>
           </a:p>
           <a:p>
